--- a/docs/diagrams/ArchitectureDiagram.pptx
+++ b/docs/diagrams/ArchitectureDiagram.pptx
@@ -107,6 +107,22 @@
       </a:defRPr>
     </a:lvl9pPr>
   </p:defaultTextStyle>
+  <p:extLst>
+    <p:ext uri="{EFAFB233-063F-42B5-8137-9DF3F51BA10A}">
+      <p15:sldGuideLst xmlns:p15="http://schemas.microsoft.com/office/powerpoint/2012/main">
+        <p15:guide id="1" orient="horz" pos="1488">
+          <p15:clr>
+            <a:srgbClr val="A4A3A4"/>
+          </p15:clr>
+        </p15:guide>
+        <p15:guide id="2" pos="2880">
+          <p15:clr>
+            <a:srgbClr val="A4A3A4"/>
+          </p15:clr>
+        </p15:guide>
+      </p15:sldGuideLst>
+    </p:ext>
+  </p:extLst>
 </p:presentation>
 </file>
 
@@ -192,7 +208,7 @@
           <a:p>
             <a:fld id="{F5CC4B3F-88C1-4FFA-B1B6-F41C21DC6924}" type="datetimeFigureOut">
               <a:rPr lang="en-US" smtClean="0"/>
-              <a:t>10/16/2016</a:t>
+              <a:t>4/10/2017</a:t>
             </a:fld>
             <a:endParaRPr lang="en-US"/>
           </a:p>
@@ -256,38 +272,37 @@
           <a:p>
             <a:pPr lvl="0"/>
             <a:r>
-              <a:rPr lang="en-US" smtClean="0"/>
+              <a:rPr lang="en-US"/>
               <a:t>Click to edit Master text styles</a:t>
             </a:r>
           </a:p>
           <a:p>
             <a:pPr lvl="1"/>
             <a:r>
-              <a:rPr lang="en-US" smtClean="0"/>
+              <a:rPr lang="en-US"/>
               <a:t>Second level</a:t>
             </a:r>
           </a:p>
           <a:p>
             <a:pPr lvl="2"/>
             <a:r>
-              <a:rPr lang="en-US" smtClean="0"/>
+              <a:rPr lang="en-US"/>
               <a:t>Third level</a:t>
             </a:r>
           </a:p>
           <a:p>
             <a:pPr lvl="3"/>
             <a:r>
-              <a:rPr lang="en-US" smtClean="0"/>
+              <a:rPr lang="en-US"/>
               <a:t>Fourth level</a:t>
             </a:r>
           </a:p>
           <a:p>
             <a:pPr lvl="4"/>
             <a:r>
-              <a:rPr lang="en-US" smtClean="0"/>
+              <a:rPr lang="en-US"/>
               <a:t>Fifth level</a:t>
             </a:r>
-            <a:endParaRPr lang="en-US"/>
           </a:p>
         </p:txBody>
       </p:sp>
@@ -498,10 +513,9 @@
           <a:lstStyle/>
           <a:p>
             <a:r>
-              <a:rPr lang="en-US" smtClean="0"/>
+              <a:rPr lang="en-US"/>
               <a:t>Click to edit Master title style</a:t>
             </a:r>
-            <a:endParaRPr lang="en-US"/>
           </a:p>
         </p:txBody>
       </p:sp>
@@ -617,10 +631,9 @@
           </a:lstStyle>
           <a:p>
             <a:r>
-              <a:rPr lang="en-US" smtClean="0"/>
+              <a:rPr lang="en-US"/>
               <a:t>Click to edit Master subtitle style</a:t>
             </a:r>
-            <a:endParaRPr lang="en-US"/>
           </a:p>
         </p:txBody>
       </p:sp>
@@ -641,7 +654,7 @@
           <a:p>
             <a:fld id="{78C97017-6FC3-485B-9764-EAC9E56C1D49}" type="datetimeFigureOut">
               <a:rPr lang="en-US" smtClean="0"/>
-              <a:t>10/16/2016</a:t>
+              <a:t>4/10/2017</a:t>
             </a:fld>
             <a:endParaRPr lang="en-US"/>
           </a:p>
@@ -735,10 +748,9 @@
           <a:lstStyle/>
           <a:p>
             <a:r>
-              <a:rPr lang="en-US" smtClean="0"/>
+              <a:rPr lang="en-US"/>
               <a:t>Click to edit Master title style</a:t>
             </a:r>
-            <a:endParaRPr lang="en-US"/>
           </a:p>
         </p:txBody>
       </p:sp>
@@ -759,38 +771,37 @@
           <a:p>
             <a:pPr lvl="0"/>
             <a:r>
-              <a:rPr lang="en-US" smtClean="0"/>
+              <a:rPr lang="en-US"/>
               <a:t>Click to edit Master text styles</a:t>
             </a:r>
           </a:p>
           <a:p>
             <a:pPr lvl="1"/>
             <a:r>
-              <a:rPr lang="en-US" smtClean="0"/>
+              <a:rPr lang="en-US"/>
               <a:t>Second level</a:t>
             </a:r>
           </a:p>
           <a:p>
             <a:pPr lvl="2"/>
             <a:r>
-              <a:rPr lang="en-US" smtClean="0"/>
+              <a:rPr lang="en-US"/>
               <a:t>Third level</a:t>
             </a:r>
           </a:p>
           <a:p>
             <a:pPr lvl="3"/>
             <a:r>
-              <a:rPr lang="en-US" smtClean="0"/>
+              <a:rPr lang="en-US"/>
               <a:t>Fourth level</a:t>
             </a:r>
           </a:p>
           <a:p>
             <a:pPr lvl="4"/>
             <a:r>
-              <a:rPr lang="en-US" smtClean="0"/>
+              <a:rPr lang="en-US"/>
               <a:t>Fifth level</a:t>
             </a:r>
-            <a:endParaRPr lang="en-US"/>
           </a:p>
         </p:txBody>
       </p:sp>
@@ -811,7 +822,7 @@
           <a:p>
             <a:fld id="{78C97017-6FC3-485B-9764-EAC9E56C1D49}" type="datetimeFigureOut">
               <a:rPr lang="en-US" smtClean="0"/>
-              <a:t>10/16/2016</a:t>
+              <a:t>4/10/2017</a:t>
             </a:fld>
             <a:endParaRPr lang="en-US"/>
           </a:p>
@@ -910,10 +921,9 @@
           <a:lstStyle/>
           <a:p>
             <a:r>
-              <a:rPr lang="en-US" smtClean="0"/>
+              <a:rPr lang="en-US"/>
               <a:t>Click to edit Master title style</a:t>
             </a:r>
-            <a:endParaRPr lang="en-US"/>
           </a:p>
         </p:txBody>
       </p:sp>
@@ -939,38 +949,37 @@
           <a:p>
             <a:pPr lvl="0"/>
             <a:r>
-              <a:rPr lang="en-US" smtClean="0"/>
+              <a:rPr lang="en-US"/>
               <a:t>Click to edit Master text styles</a:t>
             </a:r>
           </a:p>
           <a:p>
             <a:pPr lvl="1"/>
             <a:r>
-              <a:rPr lang="en-US" smtClean="0"/>
+              <a:rPr lang="en-US"/>
               <a:t>Second level</a:t>
             </a:r>
           </a:p>
           <a:p>
             <a:pPr lvl="2"/>
             <a:r>
-              <a:rPr lang="en-US" smtClean="0"/>
+              <a:rPr lang="en-US"/>
               <a:t>Third level</a:t>
             </a:r>
           </a:p>
           <a:p>
             <a:pPr lvl="3"/>
             <a:r>
-              <a:rPr lang="en-US" smtClean="0"/>
+              <a:rPr lang="en-US"/>
               <a:t>Fourth level</a:t>
             </a:r>
           </a:p>
           <a:p>
             <a:pPr lvl="4"/>
             <a:r>
-              <a:rPr lang="en-US" smtClean="0"/>
+              <a:rPr lang="en-US"/>
               <a:t>Fifth level</a:t>
             </a:r>
-            <a:endParaRPr lang="en-US"/>
           </a:p>
         </p:txBody>
       </p:sp>
@@ -991,7 +1000,7 @@
           <a:p>
             <a:fld id="{78C97017-6FC3-485B-9764-EAC9E56C1D49}" type="datetimeFigureOut">
               <a:rPr lang="en-US" smtClean="0"/>
-              <a:t>10/16/2016</a:t>
+              <a:t>4/10/2017</a:t>
             </a:fld>
             <a:endParaRPr lang="en-US"/>
           </a:p>
@@ -1085,10 +1094,9 @@
           <a:lstStyle/>
           <a:p>
             <a:r>
-              <a:rPr lang="en-US" smtClean="0"/>
+              <a:rPr lang="en-US"/>
               <a:t>Click to edit Master title style</a:t>
             </a:r>
-            <a:endParaRPr lang="en-US"/>
           </a:p>
         </p:txBody>
       </p:sp>
@@ -1109,38 +1117,37 @@
           <a:p>
             <a:pPr lvl="0"/>
             <a:r>
-              <a:rPr lang="en-US" smtClean="0"/>
+              <a:rPr lang="en-US"/>
               <a:t>Click to edit Master text styles</a:t>
             </a:r>
           </a:p>
           <a:p>
             <a:pPr lvl="1"/>
             <a:r>
-              <a:rPr lang="en-US" smtClean="0"/>
+              <a:rPr lang="en-US"/>
               <a:t>Second level</a:t>
             </a:r>
           </a:p>
           <a:p>
             <a:pPr lvl="2"/>
             <a:r>
-              <a:rPr lang="en-US" smtClean="0"/>
+              <a:rPr lang="en-US"/>
               <a:t>Third level</a:t>
             </a:r>
           </a:p>
           <a:p>
             <a:pPr lvl="3"/>
             <a:r>
-              <a:rPr lang="en-US" smtClean="0"/>
+              <a:rPr lang="en-US"/>
               <a:t>Fourth level</a:t>
             </a:r>
           </a:p>
           <a:p>
             <a:pPr lvl="4"/>
             <a:r>
-              <a:rPr lang="en-US" smtClean="0"/>
+              <a:rPr lang="en-US"/>
               <a:t>Fifth level</a:t>
             </a:r>
-            <a:endParaRPr lang="en-US"/>
           </a:p>
         </p:txBody>
       </p:sp>
@@ -1161,7 +1168,7 @@
           <a:p>
             <a:fld id="{78C97017-6FC3-485B-9764-EAC9E56C1D49}" type="datetimeFigureOut">
               <a:rPr lang="en-US" smtClean="0"/>
-              <a:t>10/16/2016</a:t>
+              <a:t>4/10/2017</a:t>
             </a:fld>
             <a:endParaRPr lang="en-US"/>
           </a:p>
@@ -1264,10 +1271,9 @@
           </a:lstStyle>
           <a:p>
             <a:r>
-              <a:rPr lang="en-US" smtClean="0"/>
+              <a:rPr lang="en-US"/>
               <a:t>Click to edit Master title style</a:t>
             </a:r>
-            <a:endParaRPr lang="en-US"/>
           </a:p>
         </p:txBody>
       </p:sp>
@@ -1384,7 +1390,7 @@
           <a:p>
             <a:pPr lvl="0"/>
             <a:r>
-              <a:rPr lang="en-US" smtClean="0"/>
+              <a:rPr lang="en-US"/>
               <a:t>Click to edit Master text styles</a:t>
             </a:r>
           </a:p>
@@ -1407,7 +1413,7 @@
           <a:p>
             <a:fld id="{78C97017-6FC3-485B-9764-EAC9E56C1D49}" type="datetimeFigureOut">
               <a:rPr lang="en-US" smtClean="0"/>
-              <a:t>10/16/2016</a:t>
+              <a:t>4/10/2017</a:t>
             </a:fld>
             <a:endParaRPr lang="en-US"/>
           </a:p>
@@ -1501,10 +1507,9 @@
           <a:lstStyle/>
           <a:p>
             <a:r>
-              <a:rPr lang="en-US" smtClean="0"/>
+              <a:rPr lang="en-US"/>
               <a:t>Click to edit Master title style</a:t>
             </a:r>
-            <a:endParaRPr lang="en-US"/>
           </a:p>
         </p:txBody>
       </p:sp>
@@ -1558,38 +1563,37 @@
           <a:p>
             <a:pPr lvl="0"/>
             <a:r>
-              <a:rPr lang="en-US" smtClean="0"/>
+              <a:rPr lang="en-US"/>
               <a:t>Click to edit Master text styles</a:t>
             </a:r>
           </a:p>
           <a:p>
             <a:pPr lvl="1"/>
             <a:r>
-              <a:rPr lang="en-US" smtClean="0"/>
+              <a:rPr lang="en-US"/>
               <a:t>Second level</a:t>
             </a:r>
           </a:p>
           <a:p>
             <a:pPr lvl="2"/>
             <a:r>
-              <a:rPr lang="en-US" smtClean="0"/>
+              <a:rPr lang="en-US"/>
               <a:t>Third level</a:t>
             </a:r>
           </a:p>
           <a:p>
             <a:pPr lvl="3"/>
             <a:r>
-              <a:rPr lang="en-US" smtClean="0"/>
+              <a:rPr lang="en-US"/>
               <a:t>Fourth level</a:t>
             </a:r>
           </a:p>
           <a:p>
             <a:pPr lvl="4"/>
             <a:r>
-              <a:rPr lang="en-US" smtClean="0"/>
+              <a:rPr lang="en-US"/>
               <a:t>Fifth level</a:t>
             </a:r>
-            <a:endParaRPr lang="en-US"/>
           </a:p>
         </p:txBody>
       </p:sp>
@@ -1643,38 +1647,37 @@
           <a:p>
             <a:pPr lvl="0"/>
             <a:r>
-              <a:rPr lang="en-US" smtClean="0"/>
+              <a:rPr lang="en-US"/>
               <a:t>Click to edit Master text styles</a:t>
             </a:r>
           </a:p>
           <a:p>
             <a:pPr lvl="1"/>
             <a:r>
-              <a:rPr lang="en-US" smtClean="0"/>
+              <a:rPr lang="en-US"/>
               <a:t>Second level</a:t>
             </a:r>
           </a:p>
           <a:p>
             <a:pPr lvl="2"/>
             <a:r>
-              <a:rPr lang="en-US" smtClean="0"/>
+              <a:rPr lang="en-US"/>
               <a:t>Third level</a:t>
             </a:r>
           </a:p>
           <a:p>
             <a:pPr lvl="3"/>
             <a:r>
-              <a:rPr lang="en-US" smtClean="0"/>
+              <a:rPr lang="en-US"/>
               <a:t>Fourth level</a:t>
             </a:r>
           </a:p>
           <a:p>
             <a:pPr lvl="4"/>
             <a:r>
-              <a:rPr lang="en-US" smtClean="0"/>
+              <a:rPr lang="en-US"/>
               <a:t>Fifth level</a:t>
             </a:r>
-            <a:endParaRPr lang="en-US"/>
           </a:p>
         </p:txBody>
       </p:sp>
@@ -1695,7 +1698,7 @@
           <a:p>
             <a:fld id="{78C97017-6FC3-485B-9764-EAC9E56C1D49}" type="datetimeFigureOut">
               <a:rPr lang="en-US" smtClean="0"/>
-              <a:t>10/16/2016</a:t>
+              <a:t>4/10/2017</a:t>
             </a:fld>
             <a:endParaRPr lang="en-US"/>
           </a:p>
@@ -1793,10 +1796,9 @@
           </a:lstStyle>
           <a:p>
             <a:r>
-              <a:rPr lang="en-US" smtClean="0"/>
+              <a:rPr lang="en-US"/>
               <a:t>Click to edit Master title style</a:t>
             </a:r>
-            <a:endParaRPr lang="en-US"/>
           </a:p>
         </p:txBody>
       </p:sp>
@@ -1859,7 +1861,7 @@
           <a:p>
             <a:pPr lvl="0"/>
             <a:r>
-              <a:rPr lang="en-US" smtClean="0"/>
+              <a:rPr lang="en-US"/>
               <a:t>Click to edit Master text styles</a:t>
             </a:r>
           </a:p>
@@ -1915,38 +1917,37 @@
           <a:p>
             <a:pPr lvl="0"/>
             <a:r>
-              <a:rPr lang="en-US" smtClean="0"/>
+              <a:rPr lang="en-US"/>
               <a:t>Click to edit Master text styles</a:t>
             </a:r>
           </a:p>
           <a:p>
             <a:pPr lvl="1"/>
             <a:r>
-              <a:rPr lang="en-US" smtClean="0"/>
+              <a:rPr lang="en-US"/>
               <a:t>Second level</a:t>
             </a:r>
           </a:p>
           <a:p>
             <a:pPr lvl="2"/>
             <a:r>
-              <a:rPr lang="en-US" smtClean="0"/>
+              <a:rPr lang="en-US"/>
               <a:t>Third level</a:t>
             </a:r>
           </a:p>
           <a:p>
             <a:pPr lvl="3"/>
             <a:r>
-              <a:rPr lang="en-US" smtClean="0"/>
+              <a:rPr lang="en-US"/>
               <a:t>Fourth level</a:t>
             </a:r>
           </a:p>
           <a:p>
             <a:pPr lvl="4"/>
             <a:r>
-              <a:rPr lang="en-US" smtClean="0"/>
+              <a:rPr lang="en-US"/>
               <a:t>Fifth level</a:t>
             </a:r>
-            <a:endParaRPr lang="en-US"/>
           </a:p>
         </p:txBody>
       </p:sp>
@@ -2009,7 +2010,7 @@
           <a:p>
             <a:pPr lvl="0"/>
             <a:r>
-              <a:rPr lang="en-US" smtClean="0"/>
+              <a:rPr lang="en-US"/>
               <a:t>Click to edit Master text styles</a:t>
             </a:r>
           </a:p>
@@ -2065,38 +2066,37 @@
           <a:p>
             <a:pPr lvl="0"/>
             <a:r>
-              <a:rPr lang="en-US" smtClean="0"/>
+              <a:rPr lang="en-US"/>
               <a:t>Click to edit Master text styles</a:t>
             </a:r>
           </a:p>
           <a:p>
             <a:pPr lvl="1"/>
             <a:r>
-              <a:rPr lang="en-US" smtClean="0"/>
+              <a:rPr lang="en-US"/>
               <a:t>Second level</a:t>
             </a:r>
           </a:p>
           <a:p>
             <a:pPr lvl="2"/>
             <a:r>
-              <a:rPr lang="en-US" smtClean="0"/>
+              <a:rPr lang="en-US"/>
               <a:t>Third level</a:t>
             </a:r>
           </a:p>
           <a:p>
             <a:pPr lvl="3"/>
             <a:r>
-              <a:rPr lang="en-US" smtClean="0"/>
+              <a:rPr lang="en-US"/>
               <a:t>Fourth level</a:t>
             </a:r>
           </a:p>
           <a:p>
             <a:pPr lvl="4"/>
             <a:r>
-              <a:rPr lang="en-US" smtClean="0"/>
+              <a:rPr lang="en-US"/>
               <a:t>Fifth level</a:t>
             </a:r>
-            <a:endParaRPr lang="en-US"/>
           </a:p>
         </p:txBody>
       </p:sp>
@@ -2117,7 +2117,7 @@
           <a:p>
             <a:fld id="{78C97017-6FC3-485B-9764-EAC9E56C1D49}" type="datetimeFigureOut">
               <a:rPr lang="en-US" smtClean="0"/>
-              <a:t>10/16/2016</a:t>
+              <a:t>4/10/2017</a:t>
             </a:fld>
             <a:endParaRPr lang="en-US"/>
           </a:p>
@@ -2211,10 +2211,9 @@
           <a:lstStyle/>
           <a:p>
             <a:r>
-              <a:rPr lang="en-US" smtClean="0"/>
+              <a:rPr lang="en-US"/>
               <a:t>Click to edit Master title style</a:t>
             </a:r>
-            <a:endParaRPr lang="en-US"/>
           </a:p>
         </p:txBody>
       </p:sp>
@@ -2235,7 +2234,7 @@
           <a:p>
             <a:fld id="{78C97017-6FC3-485B-9764-EAC9E56C1D49}" type="datetimeFigureOut">
               <a:rPr lang="en-US" smtClean="0"/>
-              <a:t>10/16/2016</a:t>
+              <a:t>4/10/2017</a:t>
             </a:fld>
             <a:endParaRPr lang="en-US"/>
           </a:p>
@@ -2330,7 +2329,7 @@
           <a:p>
             <a:fld id="{78C97017-6FC3-485B-9764-EAC9E56C1D49}" type="datetimeFigureOut">
               <a:rPr lang="en-US" smtClean="0"/>
-              <a:t>10/16/2016</a:t>
+              <a:t>4/10/2017</a:t>
             </a:fld>
             <a:endParaRPr lang="en-US"/>
           </a:p>
@@ -2433,10 +2432,9 @@
           </a:lstStyle>
           <a:p>
             <a:r>
-              <a:rPr lang="en-US" smtClean="0"/>
+              <a:rPr lang="en-US"/>
               <a:t>Click to edit Master title style</a:t>
             </a:r>
-            <a:endParaRPr lang="en-US"/>
           </a:p>
         </p:txBody>
       </p:sp>
@@ -2490,38 +2488,37 @@
           <a:p>
             <a:pPr lvl="0"/>
             <a:r>
-              <a:rPr lang="en-US" smtClean="0"/>
+              <a:rPr lang="en-US"/>
               <a:t>Click to edit Master text styles</a:t>
             </a:r>
           </a:p>
           <a:p>
             <a:pPr lvl="1"/>
             <a:r>
-              <a:rPr lang="en-US" smtClean="0"/>
+              <a:rPr lang="en-US"/>
               <a:t>Second level</a:t>
             </a:r>
           </a:p>
           <a:p>
             <a:pPr lvl="2"/>
             <a:r>
-              <a:rPr lang="en-US" smtClean="0"/>
+              <a:rPr lang="en-US"/>
               <a:t>Third level</a:t>
             </a:r>
           </a:p>
           <a:p>
             <a:pPr lvl="3"/>
             <a:r>
-              <a:rPr lang="en-US" smtClean="0"/>
+              <a:rPr lang="en-US"/>
               <a:t>Fourth level</a:t>
             </a:r>
           </a:p>
           <a:p>
             <a:pPr lvl="4"/>
             <a:r>
-              <a:rPr lang="en-US" smtClean="0"/>
+              <a:rPr lang="en-US"/>
               <a:t>Fifth level</a:t>
             </a:r>
-            <a:endParaRPr lang="en-US"/>
           </a:p>
         </p:txBody>
       </p:sp>
@@ -2584,7 +2581,7 @@
           <a:p>
             <a:pPr lvl="0"/>
             <a:r>
-              <a:rPr lang="en-US" smtClean="0"/>
+              <a:rPr lang="en-US"/>
               <a:t>Click to edit Master text styles</a:t>
             </a:r>
           </a:p>
@@ -2607,7 +2604,7 @@
           <a:p>
             <a:fld id="{78C97017-6FC3-485B-9764-EAC9E56C1D49}" type="datetimeFigureOut">
               <a:rPr lang="en-US" smtClean="0"/>
-              <a:t>10/16/2016</a:t>
+              <a:t>4/10/2017</a:t>
             </a:fld>
             <a:endParaRPr lang="en-US"/>
           </a:p>
@@ -2710,10 +2707,9 @@
           </a:lstStyle>
           <a:p>
             <a:r>
-              <a:rPr lang="en-US" smtClean="0"/>
+              <a:rPr lang="en-US"/>
               <a:t>Click to edit Master title style</a:t>
             </a:r>
-            <a:endParaRPr lang="en-US"/>
           </a:p>
         </p:txBody>
       </p:sp>
@@ -2837,7 +2833,7 @@
           <a:p>
             <a:pPr lvl="0"/>
             <a:r>
-              <a:rPr lang="en-US" smtClean="0"/>
+              <a:rPr lang="en-US"/>
               <a:t>Click to edit Master text styles</a:t>
             </a:r>
           </a:p>
@@ -2860,7 +2856,7 @@
           <a:p>
             <a:fld id="{78C97017-6FC3-485B-9764-EAC9E56C1D49}" type="datetimeFigureOut">
               <a:rPr lang="en-US" smtClean="0"/>
-              <a:t>10/16/2016</a:t>
+              <a:t>4/10/2017</a:t>
             </a:fld>
             <a:endParaRPr lang="en-US"/>
           </a:p>
@@ -2969,10 +2965,9 @@
           <a:lstStyle/>
           <a:p>
             <a:r>
-              <a:rPr lang="en-US" smtClean="0"/>
+              <a:rPr lang="en-US"/>
               <a:t>Click to edit Master title style</a:t>
             </a:r>
-            <a:endParaRPr lang="en-US"/>
           </a:p>
         </p:txBody>
       </p:sp>
@@ -3003,38 +2998,37 @@
           <a:p>
             <a:pPr lvl="0"/>
             <a:r>
-              <a:rPr lang="en-US" smtClean="0"/>
+              <a:rPr lang="en-US"/>
               <a:t>Click to edit Master text styles</a:t>
             </a:r>
           </a:p>
           <a:p>
             <a:pPr lvl="1"/>
             <a:r>
-              <a:rPr lang="en-US" smtClean="0"/>
+              <a:rPr lang="en-US"/>
               <a:t>Second level</a:t>
             </a:r>
           </a:p>
           <a:p>
             <a:pPr lvl="2"/>
             <a:r>
-              <a:rPr lang="en-US" smtClean="0"/>
+              <a:rPr lang="en-US"/>
               <a:t>Third level</a:t>
             </a:r>
           </a:p>
           <a:p>
             <a:pPr lvl="3"/>
             <a:r>
-              <a:rPr lang="en-US" smtClean="0"/>
+              <a:rPr lang="en-US"/>
               <a:t>Fourth level</a:t>
             </a:r>
           </a:p>
           <a:p>
             <a:pPr lvl="4"/>
             <a:r>
-              <a:rPr lang="en-US" smtClean="0"/>
+              <a:rPr lang="en-US"/>
               <a:t>Fifth level</a:t>
             </a:r>
-            <a:endParaRPr lang="en-US"/>
           </a:p>
         </p:txBody>
       </p:sp>
@@ -3073,7 +3067,7 @@
           <a:p>
             <a:fld id="{78C97017-6FC3-485B-9764-EAC9E56C1D49}" type="datetimeFigureOut">
               <a:rPr lang="en-US" smtClean="0"/>
-              <a:t>10/16/2016</a:t>
+              <a:t>4/10/2017</a:t>
             </a:fld>
             <a:endParaRPr lang="en-US"/>
           </a:p>
@@ -3448,6 +3442,47 @@
           <a:chExt cx="0" cy="0"/>
         </a:xfrm>
       </p:grpSpPr>
+      <p:pic>
+        <p:nvPicPr>
+          <p:cNvPr id="1026" name="Picture 2" descr="https://yt3.ggpht.com/-v0soe-ievYE/AAAAAAAAAAI/AAAAAAAAAAA/OixOH_h84Po/s900-c-k-no-mo-rj-c0xffffff/photo.jpg"/>
+          <p:cNvPicPr>
+            <a:picLocks noChangeAspect="1" noChangeArrowheads="1"/>
+          </p:cNvPicPr>
+          <p:nvPr/>
+        </p:nvPicPr>
+        <p:blipFill>
+          <a:blip r:embed="rId2">
+            <a:extLst>
+              <a:ext uri="{28A0092B-C50C-407E-A947-70E740481C1C}">
+                <a14:useLocalDpi xmlns:a14="http://schemas.microsoft.com/office/drawing/2010/main" val="0"/>
+              </a:ext>
+            </a:extLst>
+          </a:blip>
+          <a:srcRect/>
+          <a:stretch>
+            <a:fillRect/>
+          </a:stretch>
+        </p:blipFill>
+        <p:spPr bwMode="auto">
+          <a:xfrm>
+            <a:off x="7587440" y="1418740"/>
+            <a:ext cx="659945" cy="659945"/>
+          </a:xfrm>
+          <a:prstGeom prst="rect">
+            <a:avLst/>
+          </a:prstGeom>
+          <a:noFill/>
+          <a:extLst>
+            <a:ext uri="{909E8E84-426E-40DD-AFC4-6F175D3DCCD1}">
+              <a14:hiddenFill xmlns:a14="http://schemas.microsoft.com/office/drawing/2010/main">
+                <a:solidFill>
+                  <a:srgbClr val="FFFFFF"/>
+                </a:solidFill>
+              </a14:hiddenFill>
+            </a:ext>
+          </a:extLst>
+        </p:spPr>
+      </p:pic>
       <p:sp>
         <p:nvSpPr>
           <p:cNvPr id="15" name="Rounded Rectangle 14"/>
@@ -3456,8 +3491,8 @@
         </p:nvSpPr>
         <p:spPr>
           <a:xfrm>
-            <a:off x="1636188" y="2057400"/>
-            <a:ext cx="5700181" cy="2667000"/>
+            <a:off x="1636188" y="1371600"/>
+            <a:ext cx="5700181" cy="3352800"/>
           </a:xfrm>
           <a:prstGeom prst="roundRect">
             <a:avLst>
@@ -3546,7 +3581,7 @@
           <a:p>
             <a:pPr algn="ctr"/>
             <a:r>
-              <a:rPr lang="en-US" sz="1600" dirty="0" smtClean="0">
+              <a:rPr lang="en-US" sz="1600" dirty="0">
                 <a:solidFill>
                   <a:schemeClr val="bg1"/>
                 </a:solidFill>
@@ -3605,7 +3640,7 @@
           <a:p>
             <a:pPr algn="ctr"/>
             <a:r>
-              <a:rPr lang="en-US" sz="1600" dirty="0" smtClean="0">
+              <a:rPr lang="en-US" sz="1600" dirty="0">
                 <a:solidFill>
                   <a:schemeClr val="bg1"/>
                 </a:solidFill>
@@ -3668,7 +3703,7 @@
           <a:p>
             <a:pPr algn="ctr"/>
             <a:r>
-              <a:rPr lang="en-US" sz="1600" dirty="0" smtClean="0">
+              <a:rPr lang="en-US" sz="1600" dirty="0">
                 <a:solidFill>
                   <a:schemeClr val="bg1"/>
                 </a:solidFill>
@@ -3727,7 +3762,7 @@
           <a:p>
             <a:pPr algn="ctr"/>
             <a:r>
-              <a:rPr lang="en-US" sz="1600" dirty="0" smtClean="0">
+              <a:rPr lang="en-US" sz="1600" dirty="0">
                 <a:solidFill>
                   <a:schemeClr val="bg1"/>
                 </a:solidFill>
@@ -4182,7 +4217,7 @@
         </p:nvSpPr>
         <p:spPr>
           <a:xfrm>
-            <a:off x="2650069" y="1447800"/>
+            <a:off x="2661867" y="689466"/>
             <a:ext cx="914400" cy="533400"/>
           </a:xfrm>
           <a:prstGeom prst="cloud">
@@ -4233,6 +4268,7 @@
         <p:nvCxnSpPr>
           <p:cNvPr id="52" name="Elbow Connector 51"/>
           <p:cNvCxnSpPr>
+            <a:cxnSpLocks/>
             <a:stCxn id="2" idx="0"/>
             <a:endCxn id="51" idx="2"/>
           </p:cNvCxnSpPr>
@@ -4240,8 +4276,8 @@
         </p:nvCxnSpPr>
         <p:spPr>
           <a:xfrm rot="5400000" flipH="1" flipV="1">
-            <a:off x="2222648" y="1760922"/>
-            <a:ext cx="476678" cy="383835"/>
+            <a:off x="1849380" y="1375856"/>
+            <a:ext cx="1235012" cy="395633"/>
           </a:xfrm>
           <a:prstGeom prst="bentConnector2">
             <a:avLst/>
@@ -4313,7 +4349,7 @@
           <a:p>
             <a:pPr algn="ctr"/>
             <a:r>
-              <a:rPr lang="en-US" sz="1600" dirty="0" smtClean="0">
+              <a:rPr lang="en-US" sz="1600" dirty="0">
                 <a:solidFill>
                   <a:schemeClr val="bg1"/>
                 </a:solidFill>
@@ -4664,7 +4700,7 @@
           <a:p>
             <a:pPr algn="ctr"/>
             <a:r>
-              <a:rPr lang="en-US" sz="1600" dirty="0" smtClean="0">
+              <a:rPr lang="en-US" sz="1600" dirty="0">
                 <a:solidFill>
                   <a:schemeClr val="bg1"/>
                 </a:solidFill>
@@ -4672,25 +4708,20 @@
               <a:t>Logs</a:t>
             </a:r>
             <a:br>
-              <a:rPr lang="en-US" sz="1600" dirty="0" smtClean="0">
+              <a:rPr lang="en-US" sz="1600" dirty="0">
                 <a:solidFill>
                   <a:schemeClr val="bg1"/>
                 </a:solidFill>
               </a:rPr>
             </a:br>
             <a:r>
-              <a:rPr lang="en-US" sz="1600" dirty="0" smtClean="0">
+              <a:rPr lang="en-US" sz="1600" dirty="0">
                 <a:solidFill>
                   <a:schemeClr val="bg1"/>
                 </a:solidFill>
               </a:rPr>
               <a:t>Center</a:t>
             </a:r>
-            <a:endParaRPr lang="en-US" sz="1600" dirty="0">
-              <a:solidFill>
-                <a:schemeClr val="bg1"/>
-              </a:solidFill>
-            </a:endParaRPr>
           </a:p>
         </p:txBody>
       </p:sp>
@@ -4756,6 +4787,145 @@
                 <a:lumMod val="75000"/>
               </a:schemeClr>
             </a:solidFill>
+          </a:ln>
+        </p:spPr>
+        <p:style>
+          <a:lnRef idx="1">
+            <a:schemeClr val="accent1"/>
+          </a:lnRef>
+          <a:fillRef idx="0">
+            <a:schemeClr val="accent1"/>
+          </a:fillRef>
+          <a:effectRef idx="0">
+            <a:schemeClr val="accent1"/>
+          </a:effectRef>
+          <a:fontRef idx="minor">
+            <a:schemeClr val="tx1"/>
+          </a:fontRef>
+        </p:style>
+      </p:cxnSp>
+      <p:sp>
+        <p:nvSpPr>
+          <p:cNvPr id="42" name="Rectangle 45"/>
+          <p:cNvSpPr/>
+          <p:nvPr/>
+        </p:nvSpPr>
+        <p:spPr>
+          <a:xfrm>
+            <a:off x="5152477" y="1499692"/>
+            <a:ext cx="1447800" cy="552022"/>
+          </a:xfrm>
+          <a:prstGeom prst="roundRect">
+            <a:avLst/>
+          </a:prstGeom>
+          <a:solidFill>
+            <a:srgbClr val="4286F5"/>
+          </a:solidFill>
+          <a:ln w="19050">
+            <a:solidFill>
+              <a:srgbClr val="4286F5"/>
+            </a:solidFill>
+          </a:ln>
+          <a:effectLst/>
+        </p:spPr>
+        <p:style>
+          <a:lnRef idx="1">
+            <a:schemeClr val="accent5"/>
+          </a:lnRef>
+          <a:fillRef idx="2">
+            <a:schemeClr val="accent5"/>
+          </a:fillRef>
+          <a:effectRef idx="1">
+            <a:schemeClr val="accent5"/>
+          </a:effectRef>
+          <a:fontRef idx="minor">
+            <a:schemeClr val="dk1"/>
+          </a:fontRef>
+        </p:style>
+        <p:txBody>
+          <a:bodyPr rtlCol="0" anchor="ctr"/>
+          <a:lstStyle/>
+          <a:p>
+            <a:pPr algn="ctr"/>
+            <a:r>
+              <a:rPr lang="en-US" sz="1600" dirty="0" err="1">
+                <a:solidFill>
+                  <a:schemeClr val="bg1"/>
+                </a:solidFill>
+              </a:rPr>
+              <a:t>GTask</a:t>
+            </a:r>
+            <a:endParaRPr lang="en-SG" sz="1600" dirty="0">
+              <a:solidFill>
+                <a:schemeClr val="bg1"/>
+              </a:solidFill>
+            </a:endParaRPr>
+          </a:p>
+        </p:txBody>
+      </p:sp>
+      <p:cxnSp>
+        <p:nvCxnSpPr>
+          <p:cNvPr id="44" name="Elbow Connector 51"/>
+          <p:cNvCxnSpPr>
+            <a:cxnSpLocks/>
+            <a:stCxn id="3" idx="0"/>
+            <a:endCxn id="42" idx="1"/>
+          </p:cNvCxnSpPr>
+          <p:nvPr/>
+        </p:nvCxnSpPr>
+        <p:spPr>
+          <a:xfrm rot="5400000" flipH="1" flipV="1">
+            <a:off x="4398386" y="1437087"/>
+            <a:ext cx="415475" cy="1092708"/>
+          </a:xfrm>
+          <a:prstGeom prst="bentConnector2">
+            <a:avLst/>
+          </a:prstGeom>
+          <a:ln w="28575">
+            <a:solidFill>
+              <a:schemeClr val="accent1"/>
+            </a:solidFill>
+            <a:prstDash val="solid"/>
+            <a:tailEnd type="arrow"/>
+          </a:ln>
+        </p:spPr>
+        <p:style>
+          <a:lnRef idx="1">
+            <a:schemeClr val="accent1"/>
+          </a:lnRef>
+          <a:fillRef idx="0">
+            <a:schemeClr val="accent1"/>
+          </a:fillRef>
+          <a:effectRef idx="0">
+            <a:schemeClr val="accent1"/>
+          </a:effectRef>
+          <a:fontRef idx="minor">
+            <a:schemeClr val="tx1"/>
+          </a:fontRef>
+        </p:style>
+      </p:cxnSp>
+      <p:cxnSp>
+        <p:nvCxnSpPr>
+          <p:cNvPr id="45" name="Straight Arrow Connector 44"/>
+          <p:cNvCxnSpPr>
+            <a:cxnSpLocks/>
+          </p:cNvCxnSpPr>
+          <p:nvPr/>
+        </p:nvCxnSpPr>
+        <p:spPr>
+          <a:xfrm>
+            <a:off x="6612469" y="1761850"/>
+            <a:ext cx="1007531" cy="0"/>
+          </a:xfrm>
+          <a:prstGeom prst="straightConnector1">
+            <a:avLst/>
+          </a:prstGeom>
+          <a:ln w="28575">
+            <a:solidFill>
+              <a:srgbClr val="4286F5"/>
+            </a:solidFill>
+            <a:prstDash val="sysDot"/>
+            <a:tailEnd type="arrow"/>
           </a:ln>
         </p:spPr>
         <p:style>
